--- a/langflow/components/media/template.pptx
+++ b/langflow/components/media/template.pptx
@@ -8078,7 +8078,7 @@
         </p:nvSpPr>
         <p:spPr>
           <a:xfrm>
-            <a:off x="1059542" y="1584336"/>
+            <a:off x="1059542" y="1663200"/>
             <a:ext cx="2935241" cy="548640"/>
           </a:xfrm>
         </p:spPr>
@@ -8118,7 +8118,7 @@
               <a:buNone/>
             </a:pPr>
             <a:r>
-              <a:rPr lang="de-DE" dirty="0"/>
+              <a:rPr lang="de-DE" sz="1000" dirty="0"/>
               <a:t>{{CHALLENGE_TEXT}}</a:t>
             </a:r>
           </a:p>
@@ -8142,7 +8142,7 @@
         </p:nvSpPr>
         <p:spPr>
           <a:xfrm>
-            <a:off x="4949625" y="1584000"/>
+            <a:off x="4949625" y="1663200"/>
             <a:ext cx="2935241" cy="548640"/>
           </a:xfrm>
         </p:spPr>
@@ -8182,7 +8182,7 @@
               <a:buNone/>
             </a:pPr>
             <a:r>
-              <a:rPr lang="de-DE" dirty="0"/>
+              <a:rPr lang="de-DE" sz="1000" dirty="0"/>
               <a:t>{{SOLUTION_TEXT}}</a:t>
             </a:r>
           </a:p>
@@ -8206,7 +8206,7 @@
         </p:nvSpPr>
         <p:spPr>
           <a:xfrm>
-            <a:off x="8839708" y="1584000"/>
+            <a:off x="8839708" y="1663200"/>
             <a:ext cx="2935241" cy="548640"/>
           </a:xfrm>
         </p:spPr>
@@ -8246,7 +8246,7 @@
               <a:buNone/>
             </a:pPr>
             <a:r>
-              <a:rPr lang="de-DE" dirty="0"/>
+              <a:rPr lang="de-DE" sz="1000" dirty="0"/>
               <a:t>{{IMPACT_TEXT}}</a:t>
             </a:r>
           </a:p>
@@ -8335,7 +8335,7 @@
         </p:blipFill>
         <p:spPr>
           <a:xfrm>
-            <a:off x="306000" y="1490400"/>
+            <a:off x="306000" y="1569775"/>
             <a:ext cx="712106" cy="710331"/>
           </a:xfrm>
           <a:prstGeom prst="rect">
@@ -8371,7 +8371,7 @@
         </p:blipFill>
         <p:spPr>
           <a:xfrm>
-            <a:off x="4196582" y="1490400"/>
+            <a:off x="4196582" y="1569600"/>
             <a:ext cx="712106" cy="712106"/>
           </a:xfrm>
           <a:prstGeom prst="rect">
@@ -8407,7 +8407,7 @@
         </p:blipFill>
         <p:spPr>
           <a:xfrm>
-            <a:off x="8089200" y="1490400"/>
+            <a:off x="8089200" y="1569600"/>
             <a:ext cx="712106" cy="712106"/>
           </a:xfrm>
           <a:prstGeom prst="rect">
@@ -8430,7 +8430,7 @@
         <p:spPr>
           <a:xfrm>
             <a:off x="356490" y="1026033"/>
-            <a:ext cx="11441696" cy="246221"/>
+            <a:ext cx="10290079" cy="215444"/>
           </a:xfrm>
           <a:prstGeom prst="rect">
             <a:avLst/>
@@ -8444,14 +8444,13 @@
           <a:lstStyle/>
           <a:p>
             <a:r>
-              <a:rPr lang="en-US" sz="1000" dirty="0">
-                <a:solidFill>
-                  <a:srgbClr val="00005C"/>
-                </a:solidFill>
+              <a:rPr lang="de-DE" sz="800" b="0" i="0" dirty="0">
+                <a:effectLst/>
+                <a:latin typeface="Arial" panose="020B0604020202020204" pitchFamily="34" charset="0"/>
               </a:rPr>
               <a:t>{{ABOUT_CLIENT}}</a:t>
             </a:r>
-            <a:endParaRPr lang="de-DE" sz="1000" dirty="0">
+            <a:endParaRPr lang="de-DE" sz="800" dirty="0">
               <a:solidFill>
                 <a:srgbClr val="00005C"/>
               </a:solidFill>
@@ -9305,21 +9304,12 @@
 </file>
 
 <file path=customXml/item1.xml><?xml version="1.0" encoding="utf-8"?>
-<?mso-contentType ?>
-<FormTemplates xmlns="http://schemas.microsoft.com/sharepoint/v3/contenttype/forms">
-  <Display>DocumentLibraryForm</Display>
-  <Edit>DocumentLibraryForm</Edit>
-  <New>DocumentLibraryForm</New>
-</FormTemplates>
-</file>
-
-<file path=customXml/item2.xml><?xml version="1.0" encoding="utf-8"?>
 <p:properties xmlns:p="http://schemas.microsoft.com/office/2006/metadata/properties" xmlns:xsi="http://www.w3.org/2001/XMLSchema-instance" xmlns:pc="http://schemas.microsoft.com/office/infopath/2007/PartnerControls">
   <documentManagement/>
 </p:properties>
 </file>
 
-<file path=customXml/item3.xml><?xml version="1.0" encoding="utf-8"?>
+<file path=customXml/item2.xml><?xml version="1.0" encoding="utf-8"?>
 <ct:contentTypeSchema xmlns:ct="http://schemas.microsoft.com/office/2006/metadata/contentType" xmlns:ma="http://schemas.microsoft.com/office/2006/metadata/properties/metaAttributes" ct:_="" ma:_="" ma:contentTypeName="Document" ma:contentTypeID="0x010100844C1A6680E41A4781F62CC101B3C49A" ma:contentTypeVersion="6" ma:contentTypeDescription="Create a new document." ma:contentTypeScope="" ma:versionID="1fca24d0af956cb6111ea2aa2c9cbd9d">
   <xsd:schema xmlns:xsd="http://www.w3.org/2001/XMLSchema" xmlns:xs="http://www.w3.org/2001/XMLSchema" xmlns:p="http://schemas.microsoft.com/office/2006/metadata/properties" xmlns:ns2="7346e314-1113-4693-bfa8-aa1e3a055fba" xmlns:ns3="4f6e62a9-eef7-483a-b511-db9ffe238984" targetNamespace="http://schemas.microsoft.com/office/2006/metadata/properties" ma:root="true" ma:fieldsID="f2a39d9c048f409ff061f494c6a3f476" ns2:_="" ns3:_="">
     <xsd:import namespace="7346e314-1113-4693-bfa8-aa1e3a055fba"/>
@@ -9496,15 +9486,16 @@
 </ct:contentTypeSchema>
 </file>
 
-<file path=customXml/itemProps1.xml><?xml version="1.0" encoding="utf-8"?>
-<ds:datastoreItem xmlns:ds="http://schemas.openxmlformats.org/officeDocument/2006/customXml" ds:itemID="{602CE593-0E1E-4575-A8F4-8689702DA630}">
-  <ds:schemaRefs>
-    <ds:schemaRef ds:uri="http://schemas.microsoft.com/sharepoint/v3/contenttype/forms"/>
-  </ds:schemaRefs>
-</ds:datastoreItem>
+<file path=customXml/item3.xml><?xml version="1.0" encoding="utf-8"?>
+<?mso-contentType ?>
+<FormTemplates xmlns="http://schemas.microsoft.com/sharepoint/v3/contenttype/forms">
+  <Display>DocumentLibraryForm</Display>
+  <Edit>DocumentLibraryForm</Edit>
+  <New>DocumentLibraryForm</New>
+</FormTemplates>
 </file>
 
-<file path=customXml/itemProps2.xml><?xml version="1.0" encoding="utf-8"?>
+<file path=customXml/itemProps1.xml><?xml version="1.0" encoding="utf-8"?>
 <ds:datastoreItem xmlns:ds="http://schemas.openxmlformats.org/officeDocument/2006/customXml" ds:itemID="{A2A1802B-1C77-47FD-A831-AB744372472F}">
   <ds:schemaRefs>
     <ds:schemaRef ds:uri="http://schemas.microsoft.com/office/2006/metadata/properties"/>
@@ -9513,7 +9504,7 @@
 </ds:datastoreItem>
 </file>
 
-<file path=customXml/itemProps3.xml><?xml version="1.0" encoding="utf-8"?>
+<file path=customXml/itemProps2.xml><?xml version="1.0" encoding="utf-8"?>
 <ds:datastoreItem xmlns:ds="http://schemas.openxmlformats.org/officeDocument/2006/customXml" ds:itemID="{000DDAD8-BCF9-494D-A779-DEA5AE4EF747}">
   <ds:schemaRefs>
     <ds:schemaRef ds:uri="http://schemas.microsoft.com/office/2006/metadata/contentType"/>
@@ -9530,4 +9521,12 @@
     <ds:schemaRef ds:uri="http://schemas.microsoft.com/internal/obd"/>
   </ds:schemaRefs>
 </ds:datastoreItem>
+</file>
+
+<file path=customXml/itemProps3.xml><?xml version="1.0" encoding="utf-8"?>
+<ds:datastoreItem xmlns:ds="http://schemas.openxmlformats.org/officeDocument/2006/customXml" ds:itemID="{602CE593-0E1E-4575-A8F4-8689702DA630}">
+  <ds:schemaRefs>
+    <ds:schemaRef ds:uri="http://schemas.microsoft.com/sharepoint/v3/contenttype/forms"/>
+  </ds:schemaRefs>
+</ds:datastoreItem>
 </file>
--- a/langflow/components/media/template.pptx
+++ b/langflow/components/media/template.pptx
@@ -265,7 +265,7 @@
           <a:p>
             <a:fld id="{049540CC-CE8C-4A70-BF05-2114CEE721C9}" type="datetimeFigureOut">
               <a:rPr lang="en-US" smtClean="0"/>
-              <a:t>7/2/2025</a:t>
+              <a:t>7/4/2025</a:t>
             </a:fld>
             <a:endParaRPr lang="en-US" dirty="0"/>
           </a:p>
@@ -463,7 +463,7 @@
             <a:fld id="{2F30A58F-C1CB-4583-BA10-6EBD3D104964}" type="datetimeFigureOut">
               <a:rPr lang="en-US" smtClean="0"/>
               <a:pPr/>
-              <a:t>7/2/2025</a:t>
+              <a:t>7/4/2025</a:t>
             </a:fld>
             <a:endParaRPr lang="en-US" dirty="0"/>
           </a:p>
@@ -8430,7 +8430,7 @@
         <p:spPr>
           <a:xfrm>
             <a:off x="356490" y="1026033"/>
-            <a:ext cx="10290079" cy="215444"/>
+            <a:ext cx="10290079" cy="246221"/>
           </a:xfrm>
           <a:prstGeom prst="rect">
             <a:avLst/>
@@ -8444,13 +8444,13 @@
           <a:lstStyle/>
           <a:p>
             <a:r>
-              <a:rPr lang="de-DE" sz="800" b="0" i="0" dirty="0">
+              <a:rPr lang="de-DE" sz="1000" b="0" i="0" dirty="0">
                 <a:effectLst/>
                 <a:latin typeface="Arial" panose="020B0604020202020204" pitchFamily="34" charset="0"/>
               </a:rPr>
               <a:t>{{ABOUT_CLIENT}}</a:t>
             </a:r>
-            <a:endParaRPr lang="de-DE" sz="800" dirty="0">
+            <a:endParaRPr lang="de-DE" sz="1000" dirty="0">
               <a:solidFill>
                 <a:srgbClr val="00005C"/>
               </a:solidFill>
@@ -9304,9 +9304,12 @@
 </file>
 
 <file path=customXml/item1.xml><?xml version="1.0" encoding="utf-8"?>
-<p:properties xmlns:p="http://schemas.microsoft.com/office/2006/metadata/properties" xmlns:xsi="http://www.w3.org/2001/XMLSchema-instance" xmlns:pc="http://schemas.microsoft.com/office/infopath/2007/PartnerControls">
-  <documentManagement/>
-</p:properties>
+<?mso-contentType ?>
+<FormTemplates xmlns="http://schemas.microsoft.com/sharepoint/v3/contenttype/forms">
+  <Display>DocumentLibraryForm</Display>
+  <Edit>DocumentLibraryForm</Edit>
+  <New>DocumentLibraryForm</New>
+</FormTemplates>
 </file>
 
 <file path=customXml/item2.xml><?xml version="1.0" encoding="utf-8"?>
@@ -9487,19 +9490,15 @@
 </file>
 
 <file path=customXml/item3.xml><?xml version="1.0" encoding="utf-8"?>
-<?mso-contentType ?>
-<FormTemplates xmlns="http://schemas.microsoft.com/sharepoint/v3/contenttype/forms">
-  <Display>DocumentLibraryForm</Display>
-  <Edit>DocumentLibraryForm</Edit>
-  <New>DocumentLibraryForm</New>
-</FormTemplates>
+<p:properties xmlns:p="http://schemas.microsoft.com/office/2006/metadata/properties" xmlns:xsi="http://www.w3.org/2001/XMLSchema-instance" xmlns:pc="http://schemas.microsoft.com/office/infopath/2007/PartnerControls">
+  <documentManagement/>
+</p:properties>
 </file>
 
 <file path=customXml/itemProps1.xml><?xml version="1.0" encoding="utf-8"?>
-<ds:datastoreItem xmlns:ds="http://schemas.openxmlformats.org/officeDocument/2006/customXml" ds:itemID="{A2A1802B-1C77-47FD-A831-AB744372472F}">
+<ds:datastoreItem xmlns:ds="http://schemas.openxmlformats.org/officeDocument/2006/customXml" ds:itemID="{602CE593-0E1E-4575-A8F4-8689702DA630}">
   <ds:schemaRefs>
-    <ds:schemaRef ds:uri="http://schemas.microsoft.com/office/2006/metadata/properties"/>
-    <ds:schemaRef ds:uri="http://schemas.microsoft.com/office/infopath/2007/PartnerControls"/>
+    <ds:schemaRef ds:uri="http://schemas.microsoft.com/sharepoint/v3/contenttype/forms"/>
   </ds:schemaRefs>
 </ds:datastoreItem>
 </file>
@@ -9524,9 +9523,10 @@
 </file>
 
 <file path=customXml/itemProps3.xml><?xml version="1.0" encoding="utf-8"?>
-<ds:datastoreItem xmlns:ds="http://schemas.openxmlformats.org/officeDocument/2006/customXml" ds:itemID="{602CE593-0E1E-4575-A8F4-8689702DA630}">
+<ds:datastoreItem xmlns:ds="http://schemas.openxmlformats.org/officeDocument/2006/customXml" ds:itemID="{A2A1802B-1C77-47FD-A831-AB744372472F}">
   <ds:schemaRefs>
-    <ds:schemaRef ds:uri="http://schemas.microsoft.com/sharepoint/v3/contenttype/forms"/>
+    <ds:schemaRef ds:uri="http://schemas.microsoft.com/office/2006/metadata/properties"/>
+    <ds:schemaRef ds:uri="http://schemas.microsoft.com/office/infopath/2007/PartnerControls"/>
   </ds:schemaRefs>
 </ds:datastoreItem>
 </file>
--- a/langflow/components/media/template.pptx
+++ b/langflow/components/media/template.pptx
@@ -265,7 +265,7 @@
           <a:p>
             <a:fld id="{049540CC-CE8C-4A70-BF05-2114CEE721C9}" type="datetimeFigureOut">
               <a:rPr lang="en-US" smtClean="0"/>
-              <a:t>7/4/2025</a:t>
+              <a:t>7/7/2025</a:t>
             </a:fld>
             <a:endParaRPr lang="en-US" dirty="0"/>
           </a:p>
@@ -463,7 +463,7 @@
             <a:fld id="{2F30A58F-C1CB-4583-BA10-6EBD3D104964}" type="datetimeFigureOut">
               <a:rPr lang="en-US" smtClean="0"/>
               <a:pPr/>
-              <a:t>7/4/2025</a:t>
+              <a:t>7/7/2025</a:t>
             </a:fld>
             <a:endParaRPr lang="en-US" dirty="0"/>
           </a:p>
@@ -8279,31 +8279,6 @@
               <a:t>1</a:t>
             </a:fld>
             <a:endParaRPr lang="en-US" noProof="0"/>
-          </a:p>
-        </p:txBody>
-      </p:sp>
-      <p:sp>
-        <p:nvSpPr>
-          <p:cNvPr id="11" name="Bildplatzhalter 10">
-            <a:extLst>
-              <a:ext uri="{FF2B5EF4-FFF2-40B4-BE49-F238E27FC236}">
-                <a16:creationId xmlns:a16="http://schemas.microsoft.com/office/drawing/2014/main" id="{2F639E4C-1BE6-7A04-0EEE-9F698C4AEAB5}"/>
-              </a:ext>
-            </a:extLst>
-          </p:cNvPr>
-          <p:cNvSpPr>
-            <a:spLocks noGrp="1"/>
-          </p:cNvSpPr>
-          <p:nvPr>
-            <p:ph type="pic" sz="quarter" idx="42"/>
-          </p:nvPr>
-        </p:nvSpPr>
-        <p:spPr/>
-        <p:txBody>
-          <a:bodyPr/>
-          <a:lstStyle/>
-          <a:p>
-            <a:endParaRPr lang="de-DE" dirty="0"/>
           </a:p>
         </p:txBody>
       </p:sp>
@@ -9313,6 +9288,12 @@
 </file>
 
 <file path=customXml/item2.xml><?xml version="1.0" encoding="utf-8"?>
+<p:properties xmlns:p="http://schemas.microsoft.com/office/2006/metadata/properties" xmlns:xsi="http://www.w3.org/2001/XMLSchema-instance" xmlns:pc="http://schemas.microsoft.com/office/infopath/2007/PartnerControls">
+  <documentManagement/>
+</p:properties>
+</file>
+
+<file path=customXml/item3.xml><?xml version="1.0" encoding="utf-8"?>
 <ct:contentTypeSchema xmlns:ct="http://schemas.microsoft.com/office/2006/metadata/contentType" xmlns:ma="http://schemas.microsoft.com/office/2006/metadata/properties/metaAttributes" ct:_="" ma:_="" ma:contentTypeName="Document" ma:contentTypeID="0x010100844C1A6680E41A4781F62CC101B3C49A" ma:contentTypeVersion="6" ma:contentTypeDescription="Create a new document." ma:contentTypeScope="" ma:versionID="1fca24d0af956cb6111ea2aa2c9cbd9d">
   <xsd:schema xmlns:xsd="http://www.w3.org/2001/XMLSchema" xmlns:xs="http://www.w3.org/2001/XMLSchema" xmlns:p="http://schemas.microsoft.com/office/2006/metadata/properties" xmlns:ns2="7346e314-1113-4693-bfa8-aa1e3a055fba" xmlns:ns3="4f6e62a9-eef7-483a-b511-db9ffe238984" targetNamespace="http://schemas.microsoft.com/office/2006/metadata/properties" ma:root="true" ma:fieldsID="f2a39d9c048f409ff061f494c6a3f476" ns2:_="" ns3:_="">
     <xsd:import namespace="7346e314-1113-4693-bfa8-aa1e3a055fba"/>
@@ -9489,12 +9470,6 @@
 </ct:contentTypeSchema>
 </file>
 
-<file path=customXml/item3.xml><?xml version="1.0" encoding="utf-8"?>
-<p:properties xmlns:p="http://schemas.microsoft.com/office/2006/metadata/properties" xmlns:xsi="http://www.w3.org/2001/XMLSchema-instance" xmlns:pc="http://schemas.microsoft.com/office/infopath/2007/PartnerControls">
-  <documentManagement/>
-</p:properties>
-</file>
-
 <file path=customXml/itemProps1.xml><?xml version="1.0" encoding="utf-8"?>
 <ds:datastoreItem xmlns:ds="http://schemas.openxmlformats.org/officeDocument/2006/customXml" ds:itemID="{602CE593-0E1E-4575-A8F4-8689702DA630}">
   <ds:schemaRefs>
@@ -9504,6 +9479,15 @@
 </file>
 
 <file path=customXml/itemProps2.xml><?xml version="1.0" encoding="utf-8"?>
+<ds:datastoreItem xmlns:ds="http://schemas.openxmlformats.org/officeDocument/2006/customXml" ds:itemID="{A2A1802B-1C77-47FD-A831-AB744372472F}">
+  <ds:schemaRefs>
+    <ds:schemaRef ds:uri="http://schemas.microsoft.com/office/2006/metadata/properties"/>
+    <ds:schemaRef ds:uri="http://schemas.microsoft.com/office/infopath/2007/PartnerControls"/>
+  </ds:schemaRefs>
+</ds:datastoreItem>
+</file>
+
+<file path=customXml/itemProps3.xml><?xml version="1.0" encoding="utf-8"?>
 <ds:datastoreItem xmlns:ds="http://schemas.openxmlformats.org/officeDocument/2006/customXml" ds:itemID="{000DDAD8-BCF9-494D-A779-DEA5AE4EF747}">
   <ds:schemaRefs>
     <ds:schemaRef ds:uri="http://schemas.microsoft.com/office/2006/metadata/contentType"/>
@@ -9520,13 +9504,4 @@
     <ds:schemaRef ds:uri="http://schemas.microsoft.com/internal/obd"/>
   </ds:schemaRefs>
 </ds:datastoreItem>
-</file>
-
-<file path=customXml/itemProps3.xml><?xml version="1.0" encoding="utf-8"?>
-<ds:datastoreItem xmlns:ds="http://schemas.openxmlformats.org/officeDocument/2006/customXml" ds:itemID="{A2A1802B-1C77-47FD-A831-AB744372472F}">
-  <ds:schemaRefs>
-    <ds:schemaRef ds:uri="http://schemas.microsoft.com/office/2006/metadata/properties"/>
-    <ds:schemaRef ds:uri="http://schemas.microsoft.com/office/infopath/2007/PartnerControls"/>
-  </ds:schemaRefs>
-</ds:datastoreItem>
 </file>
--- a/langflow/components/media/template.pptx
+++ b/langflow/components/media/template.pptx
@@ -265,7 +265,7 @@
           <a:p>
             <a:fld id="{049540CC-CE8C-4A70-BF05-2114CEE721C9}" type="datetimeFigureOut">
               <a:rPr lang="en-US" smtClean="0"/>
-              <a:t>7/7/2025</a:t>
+              <a:t>7/15/2025</a:t>
             </a:fld>
             <a:endParaRPr lang="en-US" dirty="0"/>
           </a:p>
@@ -463,7 +463,7 @@
             <a:fld id="{2F30A58F-C1CB-4583-BA10-6EBD3D104964}" type="datetimeFigureOut">
               <a:rPr lang="en-US" smtClean="0"/>
               <a:pPr/>
-              <a:t>7/7/2025</a:t>
+              <a:t>7/15/2025</a:t>
             </a:fld>
             <a:endParaRPr lang="en-US" dirty="0"/>
           </a:p>
@@ -8118,7 +8118,7 @@
               <a:buNone/>
             </a:pPr>
             <a:r>
-              <a:rPr lang="de-DE" sz="1000" dirty="0"/>
+              <a:rPr lang="de-DE" sz="1200" dirty="0"/>
               <a:t>{{CHALLENGE_TEXT}}</a:t>
             </a:r>
           </a:p>
@@ -8182,7 +8182,7 @@
               <a:buNone/>
             </a:pPr>
             <a:r>
-              <a:rPr lang="de-DE" sz="1000" dirty="0"/>
+              <a:rPr lang="de-DE" sz="1200" dirty="0"/>
               <a:t>{{SOLUTION_TEXT}}</a:t>
             </a:r>
           </a:p>
@@ -8246,7 +8246,7 @@
               <a:buNone/>
             </a:pPr>
             <a:r>
-              <a:rPr lang="de-DE" sz="1000" dirty="0"/>
+              <a:rPr lang="de-DE" sz="1200" dirty="0"/>
               <a:t>{{IMPACT_TEXT}}</a:t>
             </a:r>
           </a:p>
@@ -8421,7 +8421,6 @@
             <a:r>
               <a:rPr lang="de-DE" sz="1000" b="0" i="0" dirty="0">
                 <a:effectLst/>
-                <a:latin typeface="Arial" panose="020B0604020202020204" pitchFamily="34" charset="0"/>
               </a:rPr>
               <a:t>{{ABOUT_CLIENT}}</a:t>
             </a:r>
@@ -9288,12 +9287,6 @@
 </file>
 
 <file path=customXml/item2.xml><?xml version="1.0" encoding="utf-8"?>
-<p:properties xmlns:p="http://schemas.microsoft.com/office/2006/metadata/properties" xmlns:xsi="http://www.w3.org/2001/XMLSchema-instance" xmlns:pc="http://schemas.microsoft.com/office/infopath/2007/PartnerControls">
-  <documentManagement/>
-</p:properties>
-</file>
-
-<file path=customXml/item3.xml><?xml version="1.0" encoding="utf-8"?>
 <ct:contentTypeSchema xmlns:ct="http://schemas.microsoft.com/office/2006/metadata/contentType" xmlns:ma="http://schemas.microsoft.com/office/2006/metadata/properties/metaAttributes" ct:_="" ma:_="" ma:contentTypeName="Document" ma:contentTypeID="0x010100844C1A6680E41A4781F62CC101B3C49A" ma:contentTypeVersion="6" ma:contentTypeDescription="Create a new document." ma:contentTypeScope="" ma:versionID="1fca24d0af956cb6111ea2aa2c9cbd9d">
   <xsd:schema xmlns:xsd="http://www.w3.org/2001/XMLSchema" xmlns:xs="http://www.w3.org/2001/XMLSchema" xmlns:p="http://schemas.microsoft.com/office/2006/metadata/properties" xmlns:ns2="7346e314-1113-4693-bfa8-aa1e3a055fba" xmlns:ns3="4f6e62a9-eef7-483a-b511-db9ffe238984" targetNamespace="http://schemas.microsoft.com/office/2006/metadata/properties" ma:root="true" ma:fieldsID="f2a39d9c048f409ff061f494c6a3f476" ns2:_="" ns3:_="">
     <xsd:import namespace="7346e314-1113-4693-bfa8-aa1e3a055fba"/>
@@ -9470,6 +9463,12 @@
 </ct:contentTypeSchema>
 </file>
 
+<file path=customXml/item3.xml><?xml version="1.0" encoding="utf-8"?>
+<p:properties xmlns:p="http://schemas.microsoft.com/office/2006/metadata/properties" xmlns:xsi="http://www.w3.org/2001/XMLSchema-instance" xmlns:pc="http://schemas.microsoft.com/office/infopath/2007/PartnerControls">
+  <documentManagement/>
+</p:properties>
+</file>
+
 <file path=customXml/itemProps1.xml><?xml version="1.0" encoding="utf-8"?>
 <ds:datastoreItem xmlns:ds="http://schemas.openxmlformats.org/officeDocument/2006/customXml" ds:itemID="{602CE593-0E1E-4575-A8F4-8689702DA630}">
   <ds:schemaRefs>
@@ -9479,15 +9478,6 @@
 </file>
 
 <file path=customXml/itemProps2.xml><?xml version="1.0" encoding="utf-8"?>
-<ds:datastoreItem xmlns:ds="http://schemas.openxmlformats.org/officeDocument/2006/customXml" ds:itemID="{A2A1802B-1C77-47FD-A831-AB744372472F}">
-  <ds:schemaRefs>
-    <ds:schemaRef ds:uri="http://schemas.microsoft.com/office/2006/metadata/properties"/>
-    <ds:schemaRef ds:uri="http://schemas.microsoft.com/office/infopath/2007/PartnerControls"/>
-  </ds:schemaRefs>
-</ds:datastoreItem>
-</file>
-
-<file path=customXml/itemProps3.xml><?xml version="1.0" encoding="utf-8"?>
 <ds:datastoreItem xmlns:ds="http://schemas.openxmlformats.org/officeDocument/2006/customXml" ds:itemID="{000DDAD8-BCF9-494D-A779-DEA5AE4EF747}">
   <ds:schemaRefs>
     <ds:schemaRef ds:uri="http://schemas.microsoft.com/office/2006/metadata/contentType"/>
@@ -9504,4 +9494,13 @@
     <ds:schemaRef ds:uri="http://schemas.microsoft.com/internal/obd"/>
   </ds:schemaRefs>
 </ds:datastoreItem>
+</file>
+
+<file path=customXml/itemProps3.xml><?xml version="1.0" encoding="utf-8"?>
+<ds:datastoreItem xmlns:ds="http://schemas.openxmlformats.org/officeDocument/2006/customXml" ds:itemID="{A2A1802B-1C77-47FD-A831-AB744372472F}">
+  <ds:schemaRefs>
+    <ds:schemaRef ds:uri="http://schemas.microsoft.com/office/2006/metadata/properties"/>
+    <ds:schemaRef ds:uri="http://schemas.microsoft.com/office/infopath/2007/PartnerControls"/>
+  </ds:schemaRefs>
+</ds:datastoreItem>
 </file>
--- a/langflow/components/media/template.pptx
+++ b/langflow/components/media/template.pptx
@@ -17,11 +17,11 @@
   <p:notesSz cx="6858000" cy="9144000"/>
   <p:embeddedFontLst>
     <p:embeddedFont>
-      <p:font typeface="Biennale" panose="020B0604020202020204" charset="0"/>
+      <p:font typeface="Biennale" pitchFamily="50" charset="0"/>
       <p:regular r:id="rId8"/>
     </p:embeddedFont>
     <p:embeddedFont>
-      <p:font typeface="Biennale Bold" panose="020B0604020202020204" charset="0"/>
+      <p:font typeface="Biennale Bold" pitchFamily="50" charset="0"/>
       <p:bold r:id="rId9"/>
     </p:embeddedFont>
   </p:embeddedFontLst>
@@ -265,7 +265,7 @@
           <a:p>
             <a:fld id="{049540CC-CE8C-4A70-BF05-2114CEE721C9}" type="datetimeFigureOut">
               <a:rPr lang="en-US" smtClean="0"/>
-              <a:t>7/15/2025</a:t>
+              <a:t>8/18/2025</a:t>
             </a:fld>
             <a:endParaRPr lang="en-US" dirty="0"/>
           </a:p>
@@ -463,7 +463,7 @@
             <a:fld id="{2F30A58F-C1CB-4583-BA10-6EBD3D104964}" type="datetimeFigureOut">
               <a:rPr lang="en-US" smtClean="0"/>
               <a:pPr/>
-              <a:t>7/15/2025</a:t>
+              <a:t>8/18/2025</a:t>
             </a:fld>
             <a:endParaRPr lang="en-US" dirty="0"/>
           </a:p>
@@ -9287,6 +9287,12 @@
 </file>
 
 <file path=customXml/item2.xml><?xml version="1.0" encoding="utf-8"?>
+<p:properties xmlns:p="http://schemas.microsoft.com/office/2006/metadata/properties" xmlns:xsi="http://www.w3.org/2001/XMLSchema-instance" xmlns:pc="http://schemas.microsoft.com/office/infopath/2007/PartnerControls">
+  <documentManagement/>
+</p:properties>
+</file>
+
+<file path=customXml/item3.xml><?xml version="1.0" encoding="utf-8"?>
 <ct:contentTypeSchema xmlns:ct="http://schemas.microsoft.com/office/2006/metadata/contentType" xmlns:ma="http://schemas.microsoft.com/office/2006/metadata/properties/metaAttributes" ct:_="" ma:_="" ma:contentTypeName="Document" ma:contentTypeID="0x010100844C1A6680E41A4781F62CC101B3C49A" ma:contentTypeVersion="6" ma:contentTypeDescription="Create a new document." ma:contentTypeScope="" ma:versionID="1fca24d0af956cb6111ea2aa2c9cbd9d">
   <xsd:schema xmlns:xsd="http://www.w3.org/2001/XMLSchema" xmlns:xs="http://www.w3.org/2001/XMLSchema" xmlns:p="http://schemas.microsoft.com/office/2006/metadata/properties" xmlns:ns2="7346e314-1113-4693-bfa8-aa1e3a055fba" xmlns:ns3="4f6e62a9-eef7-483a-b511-db9ffe238984" targetNamespace="http://schemas.microsoft.com/office/2006/metadata/properties" ma:root="true" ma:fieldsID="f2a39d9c048f409ff061f494c6a3f476" ns2:_="" ns3:_="">
     <xsd:import namespace="7346e314-1113-4693-bfa8-aa1e3a055fba"/>
@@ -9463,12 +9469,6 @@
 </ct:contentTypeSchema>
 </file>
 
-<file path=customXml/item3.xml><?xml version="1.0" encoding="utf-8"?>
-<p:properties xmlns:p="http://schemas.microsoft.com/office/2006/metadata/properties" xmlns:xsi="http://www.w3.org/2001/XMLSchema-instance" xmlns:pc="http://schemas.microsoft.com/office/infopath/2007/PartnerControls">
-  <documentManagement/>
-</p:properties>
-</file>
-
 <file path=customXml/itemProps1.xml><?xml version="1.0" encoding="utf-8"?>
 <ds:datastoreItem xmlns:ds="http://schemas.openxmlformats.org/officeDocument/2006/customXml" ds:itemID="{602CE593-0E1E-4575-A8F4-8689702DA630}">
   <ds:schemaRefs>
@@ -9478,6 +9478,15 @@
 </file>
 
 <file path=customXml/itemProps2.xml><?xml version="1.0" encoding="utf-8"?>
+<ds:datastoreItem xmlns:ds="http://schemas.openxmlformats.org/officeDocument/2006/customXml" ds:itemID="{A2A1802B-1C77-47FD-A831-AB744372472F}">
+  <ds:schemaRefs>
+    <ds:schemaRef ds:uri="http://schemas.microsoft.com/office/2006/metadata/properties"/>
+    <ds:schemaRef ds:uri="http://schemas.microsoft.com/office/infopath/2007/PartnerControls"/>
+  </ds:schemaRefs>
+</ds:datastoreItem>
+</file>
+
+<file path=customXml/itemProps3.xml><?xml version="1.0" encoding="utf-8"?>
 <ds:datastoreItem xmlns:ds="http://schemas.openxmlformats.org/officeDocument/2006/customXml" ds:itemID="{000DDAD8-BCF9-494D-A779-DEA5AE4EF747}">
   <ds:schemaRefs>
     <ds:schemaRef ds:uri="http://schemas.microsoft.com/office/2006/metadata/contentType"/>
@@ -9494,13 +9503,4 @@
     <ds:schemaRef ds:uri="http://schemas.microsoft.com/internal/obd"/>
   </ds:schemaRefs>
 </ds:datastoreItem>
-</file>
-
-<file path=customXml/itemProps3.xml><?xml version="1.0" encoding="utf-8"?>
-<ds:datastoreItem xmlns:ds="http://schemas.openxmlformats.org/officeDocument/2006/customXml" ds:itemID="{A2A1802B-1C77-47FD-A831-AB744372472F}">
-  <ds:schemaRefs>
-    <ds:schemaRef ds:uri="http://schemas.microsoft.com/office/2006/metadata/properties"/>
-    <ds:schemaRef ds:uri="http://schemas.microsoft.com/office/infopath/2007/PartnerControls"/>
-  </ds:schemaRefs>
-</ds:datastoreItem>
 </file>
--- a/langflow/components/media/template.pptx
+++ b/langflow/components/media/template.pptx
@@ -265,7 +265,7 @@
           <a:p>
             <a:fld id="{049540CC-CE8C-4A70-BF05-2114CEE721C9}" type="datetimeFigureOut">
               <a:rPr lang="en-US" smtClean="0"/>
-              <a:t>8/18/2025</a:t>
+              <a:t>9/5/2025</a:t>
             </a:fld>
             <a:endParaRPr lang="en-US" dirty="0"/>
           </a:p>
@@ -463,7 +463,7 @@
             <a:fld id="{2F30A58F-C1CB-4583-BA10-6EBD3D104964}" type="datetimeFigureOut">
               <a:rPr lang="en-US" smtClean="0"/>
               <a:pPr/>
-              <a:t>8/18/2025</a:t>
+              <a:t>9/5/2025</a:t>
             </a:fld>
             <a:endParaRPr lang="en-US" dirty="0"/>
           </a:p>
@@ -8118,7 +8118,7 @@
               <a:buNone/>
             </a:pPr>
             <a:r>
-              <a:rPr lang="de-DE" sz="1200" dirty="0"/>
+              <a:rPr lang="de-DE" sz="1000" dirty="0"/>
               <a:t>{{CHALLENGE_TEXT}}</a:t>
             </a:r>
           </a:p>
@@ -8182,7 +8182,7 @@
               <a:buNone/>
             </a:pPr>
             <a:r>
-              <a:rPr lang="de-DE" sz="1200" dirty="0"/>
+              <a:rPr lang="de-DE" sz="1000" dirty="0"/>
               <a:t>{{SOLUTION_TEXT}}</a:t>
             </a:r>
           </a:p>
@@ -8246,7 +8246,7 @@
               <a:buNone/>
             </a:pPr>
             <a:r>
-              <a:rPr lang="de-DE" sz="1200" dirty="0"/>
+              <a:rPr lang="de-DE" sz="1000" dirty="0"/>
               <a:t>{{IMPACT_TEXT}}</a:t>
             </a:r>
           </a:p>
@@ -8420,6 +8420,9 @@
           <a:p>
             <a:r>
               <a:rPr lang="de-DE" sz="1000" b="0" i="0" dirty="0">
+                <a:solidFill>
+                  <a:srgbClr val="00005C"/>
+                </a:solidFill>
                 <a:effectLst/>
               </a:rPr>
               <a:t>{{ABOUT_CLIENT}}</a:t>
@@ -9278,18 +9281,18 @@
 </file>
 
 <file path=customXml/item1.xml><?xml version="1.0" encoding="utf-8"?>
+<p:properties xmlns:p="http://schemas.microsoft.com/office/2006/metadata/properties" xmlns:xsi="http://www.w3.org/2001/XMLSchema-instance" xmlns:pc="http://schemas.microsoft.com/office/infopath/2007/PartnerControls">
+  <documentManagement/>
+</p:properties>
+</file>
+
+<file path=customXml/item2.xml><?xml version="1.0" encoding="utf-8"?>
 <?mso-contentType ?>
 <FormTemplates xmlns="http://schemas.microsoft.com/sharepoint/v3/contenttype/forms">
   <Display>DocumentLibraryForm</Display>
   <Edit>DocumentLibraryForm</Edit>
   <New>DocumentLibraryForm</New>
 </FormTemplates>
-</file>
-
-<file path=customXml/item2.xml><?xml version="1.0" encoding="utf-8"?>
-<p:properties xmlns:p="http://schemas.microsoft.com/office/2006/metadata/properties" xmlns:xsi="http://www.w3.org/2001/XMLSchema-instance" xmlns:pc="http://schemas.microsoft.com/office/infopath/2007/PartnerControls">
-  <documentManagement/>
-</p:properties>
 </file>
 
 <file path=customXml/item3.xml><?xml version="1.0" encoding="utf-8"?>
@@ -9470,18 +9473,18 @@
 </file>
 
 <file path=customXml/itemProps1.xml><?xml version="1.0" encoding="utf-8"?>
-<ds:datastoreItem xmlns:ds="http://schemas.openxmlformats.org/officeDocument/2006/customXml" ds:itemID="{602CE593-0E1E-4575-A8F4-8689702DA630}">
+<ds:datastoreItem xmlns:ds="http://schemas.openxmlformats.org/officeDocument/2006/customXml" ds:itemID="{A2A1802B-1C77-47FD-A831-AB744372472F}">
   <ds:schemaRefs>
-    <ds:schemaRef ds:uri="http://schemas.microsoft.com/sharepoint/v3/contenttype/forms"/>
+    <ds:schemaRef ds:uri="http://schemas.microsoft.com/office/2006/metadata/properties"/>
+    <ds:schemaRef ds:uri="http://schemas.microsoft.com/office/infopath/2007/PartnerControls"/>
   </ds:schemaRefs>
 </ds:datastoreItem>
 </file>
 
 <file path=customXml/itemProps2.xml><?xml version="1.0" encoding="utf-8"?>
-<ds:datastoreItem xmlns:ds="http://schemas.openxmlformats.org/officeDocument/2006/customXml" ds:itemID="{A2A1802B-1C77-47FD-A831-AB744372472F}">
+<ds:datastoreItem xmlns:ds="http://schemas.openxmlformats.org/officeDocument/2006/customXml" ds:itemID="{602CE593-0E1E-4575-A8F4-8689702DA630}">
   <ds:schemaRefs>
-    <ds:schemaRef ds:uri="http://schemas.microsoft.com/office/2006/metadata/properties"/>
-    <ds:schemaRef ds:uri="http://schemas.microsoft.com/office/infopath/2007/PartnerControls"/>
+    <ds:schemaRef ds:uri="http://schemas.microsoft.com/sharepoint/v3/contenttype/forms"/>
   </ds:schemaRefs>
 </ds:datastoreItem>
 </file>
